--- a/presentation/R_intro.pptx
+++ b/presentation/R_intro.pptx
@@ -5,7 +5,7 @@
     <p:sldMasterId id="2147483648" r:id="rId1"/>
   </p:sldMasterIdLst>
   <p:notesMasterIdLst>
-    <p:notesMasterId r:id="rId31"/>
+    <p:notesMasterId r:id="rId34"/>
   </p:notesMasterIdLst>
   <p:sldIdLst>
     <p:sldId id="256" r:id="rId2"/>
@@ -36,7 +36,10 @@
     <p:sldId id="410" r:id="rId27"/>
     <p:sldId id="409" r:id="rId28"/>
     <p:sldId id="408" r:id="rId29"/>
-    <p:sldId id="411" r:id="rId30"/>
+    <p:sldId id="415" r:id="rId30"/>
+    <p:sldId id="414" r:id="rId31"/>
+    <p:sldId id="416" r:id="rId32"/>
+    <p:sldId id="411" r:id="rId33"/>
   </p:sldIdLst>
   <p:sldSz cx="12192000" cy="6858000"/>
   <p:notesSz cx="6858000" cy="9144000"/>
@@ -7958,6 +7961,418 @@
             <p:ph type="title"/>
           </p:nvPr>
         </p:nvSpPr>
+        <p:spPr/>
+        <p:txBody>
+          <a:bodyPr/>
+          <a:lstStyle/>
+          <a:p>
+            <a:endParaRPr lang="ru-RU"/>
+          </a:p>
+        </p:txBody>
+      </p:sp>
+      <p:sp>
+        <p:nvSpPr>
+          <p:cNvPr id="3" name="Объект 2"/>
+          <p:cNvSpPr>
+            <a:spLocks noGrp="1"/>
+          </p:cNvSpPr>
+          <p:nvPr>
+            <p:ph idx="1"/>
+          </p:nvPr>
+        </p:nvSpPr>
+        <p:spPr/>
+        <p:txBody>
+          <a:bodyPr/>
+          <a:lstStyle/>
+          <a:p>
+            <a:endParaRPr lang="ru-RU"/>
+          </a:p>
+        </p:txBody>
+      </p:sp>
+      <p:sp>
+        <p:nvSpPr>
+          <p:cNvPr id="5" name="Номер слайда 4"/>
+          <p:cNvSpPr>
+            <a:spLocks noGrp="1"/>
+          </p:cNvSpPr>
+          <p:nvPr>
+            <p:ph type="sldNum" sz="quarter" idx="12"/>
+          </p:nvPr>
+        </p:nvSpPr>
+        <p:spPr/>
+        <p:txBody>
+          <a:bodyPr/>
+          <a:lstStyle/>
+          <a:p>
+            <a:fld id="{F327B68B-DC36-431D-946B-51DF0CBFA2CD}" type="slidenum">
+              <a:rPr lang="ru-RU" smtClean="0"/>
+              <a:t>29</a:t>
+            </a:fld>
+            <a:endParaRPr lang="ru-RU"/>
+          </a:p>
+        </p:txBody>
+      </p:sp>
+      <p:pic>
+        <p:nvPicPr>
+          <p:cNvPr id="6" name="Рисунок 5"/>
+          <p:cNvPicPr>
+            <a:picLocks noChangeAspect="1"/>
+          </p:cNvPicPr>
+          <p:nvPr/>
+        </p:nvPicPr>
+        <p:blipFill>
+          <a:blip r:embed="rId2"/>
+          <a:stretch>
+            <a:fillRect/>
+          </a:stretch>
+        </p:blipFill>
+        <p:spPr>
+          <a:xfrm>
+            <a:off x="419100" y="0"/>
+            <a:ext cx="11353800" cy="6908191"/>
+          </a:xfrm>
+          <a:prstGeom prst="rect">
+            <a:avLst/>
+          </a:prstGeom>
+        </p:spPr>
+      </p:pic>
+    </p:spTree>
+    <p:extLst>
+      <p:ext uri="{BB962C8B-B14F-4D97-AF65-F5344CB8AC3E}">
+        <p14:creationId xmlns:p14="http://schemas.microsoft.com/office/powerpoint/2010/main" val="430767141"/>
+      </p:ext>
+    </p:extLst>
+  </p:cSld>
+  <p:clrMapOvr>
+    <a:masterClrMapping/>
+  </p:clrMapOvr>
+</p:sld>
+</file>
+
+<file path=ppt/slides/slide3.xml><?xml version="1.0" encoding="utf-8"?>
+<p:sld xmlns:a="http://schemas.openxmlformats.org/drawingml/2006/main" xmlns:r="http://schemas.openxmlformats.org/officeDocument/2006/relationships" xmlns:p="http://schemas.openxmlformats.org/presentationml/2006/main">
+  <p:cSld>
+    <p:spTree>
+      <p:nvGrpSpPr>
+        <p:cNvPr id="1" name=""/>
+        <p:cNvGrpSpPr/>
+        <p:nvPr/>
+      </p:nvGrpSpPr>
+      <p:grpSpPr>
+        <a:xfrm>
+          <a:off x="0" y="0"/>
+          <a:ext cx="0" cy="0"/>
+          <a:chOff x="0" y="0"/>
+          <a:chExt cx="0" cy="0"/>
+        </a:xfrm>
+      </p:grpSpPr>
+      <p:sp>
+        <p:nvSpPr>
+          <p:cNvPr id="2" name="Заголовок 1"/>
+          <p:cNvSpPr>
+            <a:spLocks noGrp="1"/>
+          </p:cNvSpPr>
+          <p:nvPr>
+            <p:ph type="title"/>
+          </p:nvPr>
+        </p:nvSpPr>
+        <p:spPr/>
+        <p:txBody>
+          <a:bodyPr/>
+          <a:lstStyle/>
+          <a:p>
+            <a:r>
+              <a:rPr lang="ru-RU" dirty="0" smtClean="0"/>
+              <a:t>Почему использовать </a:t>
+            </a:r>
+            <a:r>
+              <a:rPr lang="en-US" dirty="0" smtClean="0"/>
+              <a:t>Excel – </a:t>
+            </a:r>
+            <a:r>
+              <a:rPr lang="ru-RU" dirty="0" smtClean="0"/>
+              <a:t>очень плохо?</a:t>
+            </a:r>
+            <a:endParaRPr lang="ru-RU" dirty="0"/>
+          </a:p>
+        </p:txBody>
+      </p:sp>
+      <p:sp>
+        <p:nvSpPr>
+          <p:cNvPr id="3" name="Объект 2"/>
+          <p:cNvSpPr>
+            <a:spLocks noGrp="1"/>
+          </p:cNvSpPr>
+          <p:nvPr>
+            <p:ph idx="1"/>
+          </p:nvPr>
+        </p:nvSpPr>
+        <p:spPr/>
+        <p:txBody>
+          <a:bodyPr/>
+          <a:lstStyle/>
+          <a:p>
+            <a:pPr marL="0" indent="0">
+              <a:buNone/>
+            </a:pPr>
+            <a:endParaRPr lang="en-US" dirty="0" smtClean="0"/>
+          </a:p>
+          <a:p>
+            <a:pPr marL="0" indent="0">
+              <a:buNone/>
+            </a:pPr>
+            <a:r>
+              <a:rPr lang="ru-RU" i="1" dirty="0" smtClean="0"/>
+              <a:t>Как экономисты получили результаты, оправдывающие политику жесткой экономии, по ним были приняты большие политические решения, а потом в исследовании нашли ошибки, связанные с обработкой данных в </a:t>
+            </a:r>
+            <a:r>
+              <a:rPr lang="en-US" i="1" dirty="0" smtClean="0"/>
+              <a:t>Excel:</a:t>
+            </a:r>
+            <a:endParaRPr lang="en-US" i="1" dirty="0"/>
+          </a:p>
+          <a:p>
+            <a:pPr marL="0" indent="0">
+              <a:buNone/>
+            </a:pPr>
+            <a:r>
+              <a:rPr lang="ru-RU" dirty="0" smtClean="0">
+                <a:solidFill>
+                  <a:srgbClr val="FF0000"/>
+                </a:solidFill>
+              </a:rPr>
+              <a:t>Случай </a:t>
+            </a:r>
+            <a:r>
+              <a:rPr lang="en-US" dirty="0" smtClean="0">
+                <a:solidFill>
+                  <a:srgbClr val="FF0000"/>
+                </a:solidFill>
+              </a:rPr>
+              <a:t>Reinhart and Rogoff (2011) </a:t>
+            </a:r>
+          </a:p>
+          <a:p>
+            <a:pPr marL="0" indent="0">
+              <a:buNone/>
+            </a:pPr>
+            <a:r>
+              <a:rPr lang="en-US" dirty="0" smtClean="0"/>
+              <a:t>URL: https</a:t>
+            </a:r>
+            <a:r>
+              <a:rPr lang="en-US" dirty="0"/>
+              <a:t>://en.wikipedia.org/wiki/Growth_in_a_Time_of_Debt</a:t>
+            </a:r>
+            <a:endParaRPr lang="ru-RU" dirty="0"/>
+          </a:p>
+        </p:txBody>
+      </p:sp>
+      <p:sp>
+        <p:nvSpPr>
+          <p:cNvPr id="5" name="Номер слайда 4"/>
+          <p:cNvSpPr>
+            <a:spLocks noGrp="1"/>
+          </p:cNvSpPr>
+          <p:nvPr>
+            <p:ph type="sldNum" sz="quarter" idx="12"/>
+          </p:nvPr>
+        </p:nvSpPr>
+        <p:spPr/>
+        <p:txBody>
+          <a:bodyPr/>
+          <a:lstStyle/>
+          <a:p>
+            <a:fld id="{F327B68B-DC36-431D-946B-51DF0CBFA2CD}" type="slidenum">
+              <a:rPr lang="ru-RU" smtClean="0"/>
+              <a:t>3</a:t>
+            </a:fld>
+            <a:endParaRPr lang="ru-RU"/>
+          </a:p>
+        </p:txBody>
+      </p:sp>
+    </p:spTree>
+    <p:extLst>
+      <p:ext uri="{BB962C8B-B14F-4D97-AF65-F5344CB8AC3E}">
+        <p14:creationId xmlns:p14="http://schemas.microsoft.com/office/powerpoint/2010/main" val="668590361"/>
+      </p:ext>
+    </p:extLst>
+  </p:cSld>
+  <p:clrMapOvr>
+    <a:masterClrMapping/>
+  </p:clrMapOvr>
+</p:sld>
+</file>
+
+<file path=ppt/slides/slide30.xml><?xml version="1.0" encoding="utf-8"?>
+<p:sld xmlns:a="http://schemas.openxmlformats.org/drawingml/2006/main" xmlns:r="http://schemas.openxmlformats.org/officeDocument/2006/relationships" xmlns:p="http://schemas.openxmlformats.org/presentationml/2006/main">
+  <p:cSld>
+    <p:spTree>
+      <p:nvGrpSpPr>
+        <p:cNvPr id="1" name=""/>
+        <p:cNvGrpSpPr/>
+        <p:nvPr/>
+      </p:nvGrpSpPr>
+      <p:grpSpPr>
+        <a:xfrm>
+          <a:off x="0" y="0"/>
+          <a:ext cx="0" cy="0"/>
+          <a:chOff x="0" y="0"/>
+          <a:chExt cx="0" cy="0"/>
+        </a:xfrm>
+      </p:grpSpPr>
+      <p:pic>
+        <p:nvPicPr>
+          <p:cNvPr id="6" name="Объект 5"/>
+          <p:cNvPicPr>
+            <a:picLocks noGrp="1" noChangeAspect="1"/>
+          </p:cNvPicPr>
+          <p:nvPr>
+            <p:ph idx="1"/>
+          </p:nvPr>
+        </p:nvPicPr>
+        <p:blipFill>
+          <a:blip r:embed="rId2">
+            <a:extLst>
+              <a:ext uri="{28A0092B-C50C-407E-A947-70E740481C1C}">
+                <a14:useLocalDpi xmlns:a14="http://schemas.microsoft.com/office/drawing/2010/main" val="0"/>
+              </a:ext>
+            </a:extLst>
+          </a:blip>
+          <a:stretch>
+            <a:fillRect/>
+          </a:stretch>
+        </p:blipFill>
+        <p:spPr>
+          <a:xfrm>
+            <a:off x="2286260" y="76611"/>
+            <a:ext cx="7495219" cy="6781389"/>
+          </a:xfrm>
+        </p:spPr>
+      </p:pic>
+      <p:sp>
+        <p:nvSpPr>
+          <p:cNvPr id="5" name="Номер слайда 4"/>
+          <p:cNvSpPr>
+            <a:spLocks noGrp="1"/>
+          </p:cNvSpPr>
+          <p:nvPr>
+            <p:ph type="sldNum" sz="quarter" idx="12"/>
+          </p:nvPr>
+        </p:nvSpPr>
+        <p:spPr/>
+        <p:txBody>
+          <a:bodyPr/>
+          <a:lstStyle/>
+          <a:p>
+            <a:fld id="{F327B68B-DC36-431D-946B-51DF0CBFA2CD}" type="slidenum">
+              <a:rPr lang="ru-RU" smtClean="0"/>
+              <a:t>30</a:t>
+            </a:fld>
+            <a:endParaRPr lang="ru-RU"/>
+          </a:p>
+        </p:txBody>
+      </p:sp>
+    </p:spTree>
+    <p:extLst>
+      <p:ext uri="{BB962C8B-B14F-4D97-AF65-F5344CB8AC3E}">
+        <p14:creationId xmlns:p14="http://schemas.microsoft.com/office/powerpoint/2010/main" val="2400062557"/>
+      </p:ext>
+    </p:extLst>
+  </p:cSld>
+  <p:clrMapOvr>
+    <a:masterClrMapping/>
+  </p:clrMapOvr>
+</p:sld>
+</file>
+
+<file path=ppt/slides/slide31.xml><?xml version="1.0" encoding="utf-8"?>
+<p:sld xmlns:a="http://schemas.openxmlformats.org/drawingml/2006/main" xmlns:r="http://schemas.openxmlformats.org/officeDocument/2006/relationships" xmlns:p="http://schemas.openxmlformats.org/presentationml/2006/main">
+  <p:cSld>
+    <p:spTree>
+      <p:nvGrpSpPr>
+        <p:cNvPr id="1" name=""/>
+        <p:cNvGrpSpPr/>
+        <p:nvPr/>
+      </p:nvGrpSpPr>
+      <p:grpSpPr>
+        <a:xfrm>
+          <a:off x="0" y="0"/>
+          <a:ext cx="0" cy="0"/>
+          <a:chOff x="0" y="0"/>
+          <a:chExt cx="0" cy="0"/>
+        </a:xfrm>
+      </p:grpSpPr>
+      <p:pic>
+        <p:nvPicPr>
+          <p:cNvPr id="8" name="Рисунок 7"/>
+          <p:cNvPicPr>
+            <a:picLocks noChangeAspect="1"/>
+          </p:cNvPicPr>
+          <p:nvPr/>
+        </p:nvPicPr>
+        <p:blipFill>
+          <a:blip r:embed="rId2" cstate="print">
+            <a:extLst>
+              <a:ext uri="{28A0092B-C50C-407E-A947-70E740481C1C}">
+                <a14:useLocalDpi xmlns:a14="http://schemas.microsoft.com/office/drawing/2010/main" val="0"/>
+              </a:ext>
+            </a:extLst>
+          </a:blip>
+          <a:stretch>
+            <a:fillRect/>
+          </a:stretch>
+        </p:blipFill>
+        <p:spPr>
+          <a:xfrm>
+            <a:off x="0" y="312234"/>
+            <a:ext cx="11641873" cy="5820937"/>
+          </a:xfrm>
+          <a:prstGeom prst="rect">
+            <a:avLst/>
+          </a:prstGeom>
+        </p:spPr>
+      </p:pic>
+    </p:spTree>
+    <p:extLst>
+      <p:ext uri="{BB962C8B-B14F-4D97-AF65-F5344CB8AC3E}">
+        <p14:creationId xmlns:p14="http://schemas.microsoft.com/office/powerpoint/2010/main" val="2359908055"/>
+      </p:ext>
+    </p:extLst>
+  </p:cSld>
+  <p:clrMapOvr>
+    <a:masterClrMapping/>
+  </p:clrMapOvr>
+</p:sld>
+</file>
+
+<file path=ppt/slides/slide32.xml><?xml version="1.0" encoding="utf-8"?>
+<p:sld xmlns:a="http://schemas.openxmlformats.org/drawingml/2006/main" xmlns:r="http://schemas.openxmlformats.org/officeDocument/2006/relationships" xmlns:p="http://schemas.openxmlformats.org/presentationml/2006/main">
+  <p:cSld>
+    <p:spTree>
+      <p:nvGrpSpPr>
+        <p:cNvPr id="1" name=""/>
+        <p:cNvGrpSpPr/>
+        <p:nvPr/>
+      </p:nvGrpSpPr>
+      <p:grpSpPr>
+        <a:xfrm>
+          <a:off x="0" y="0"/>
+          <a:ext cx="0" cy="0"/>
+          <a:chOff x="0" y="0"/>
+          <a:chExt cx="0" cy="0"/>
+        </a:xfrm>
+      </p:grpSpPr>
+      <p:sp>
+        <p:nvSpPr>
+          <p:cNvPr id="2" name="Заголовок 1"/>
+          <p:cNvSpPr>
+            <a:spLocks noGrp="1"/>
+          </p:cNvSpPr>
+          <p:nvPr>
+            <p:ph type="title"/>
+          </p:nvPr>
+        </p:nvSpPr>
         <p:spPr>
           <a:xfrm>
             <a:off x="838200" y="365126"/>
@@ -8037,7 +8452,7 @@
           <a:p>
             <a:fld id="{F327B68B-DC36-431D-946B-51DF0CBFA2CD}" type="slidenum">
               <a:rPr lang="ru-RU" smtClean="0"/>
-              <a:t>29</a:t>
+              <a:t>32</a:t>
             </a:fld>
             <a:endParaRPr lang="ru-RU"/>
           </a:p>
@@ -8071,161 +8486,6 @@
     <p:extLst>
       <p:ext uri="{BB962C8B-B14F-4D97-AF65-F5344CB8AC3E}">
         <p14:creationId xmlns:p14="http://schemas.microsoft.com/office/powerpoint/2010/main" val="1820174276"/>
-      </p:ext>
-    </p:extLst>
-  </p:cSld>
-  <p:clrMapOvr>
-    <a:masterClrMapping/>
-  </p:clrMapOvr>
-</p:sld>
-</file>
-
-<file path=ppt/slides/slide3.xml><?xml version="1.0" encoding="utf-8"?>
-<p:sld xmlns:a="http://schemas.openxmlformats.org/drawingml/2006/main" xmlns:r="http://schemas.openxmlformats.org/officeDocument/2006/relationships" xmlns:p="http://schemas.openxmlformats.org/presentationml/2006/main">
-  <p:cSld>
-    <p:spTree>
-      <p:nvGrpSpPr>
-        <p:cNvPr id="1" name=""/>
-        <p:cNvGrpSpPr/>
-        <p:nvPr/>
-      </p:nvGrpSpPr>
-      <p:grpSpPr>
-        <a:xfrm>
-          <a:off x="0" y="0"/>
-          <a:ext cx="0" cy="0"/>
-          <a:chOff x="0" y="0"/>
-          <a:chExt cx="0" cy="0"/>
-        </a:xfrm>
-      </p:grpSpPr>
-      <p:sp>
-        <p:nvSpPr>
-          <p:cNvPr id="2" name="Заголовок 1"/>
-          <p:cNvSpPr>
-            <a:spLocks noGrp="1"/>
-          </p:cNvSpPr>
-          <p:nvPr>
-            <p:ph type="title"/>
-          </p:nvPr>
-        </p:nvSpPr>
-        <p:spPr/>
-        <p:txBody>
-          <a:bodyPr/>
-          <a:lstStyle/>
-          <a:p>
-            <a:r>
-              <a:rPr lang="ru-RU" dirty="0" smtClean="0"/>
-              <a:t>Почему использовать </a:t>
-            </a:r>
-            <a:r>
-              <a:rPr lang="en-US" dirty="0" smtClean="0"/>
-              <a:t>Excel – </a:t>
-            </a:r>
-            <a:r>
-              <a:rPr lang="ru-RU" dirty="0" smtClean="0"/>
-              <a:t>очень плохо?</a:t>
-            </a:r>
-            <a:endParaRPr lang="ru-RU" dirty="0"/>
-          </a:p>
-        </p:txBody>
-      </p:sp>
-      <p:sp>
-        <p:nvSpPr>
-          <p:cNvPr id="3" name="Объект 2"/>
-          <p:cNvSpPr>
-            <a:spLocks noGrp="1"/>
-          </p:cNvSpPr>
-          <p:nvPr>
-            <p:ph idx="1"/>
-          </p:nvPr>
-        </p:nvSpPr>
-        <p:spPr/>
-        <p:txBody>
-          <a:bodyPr/>
-          <a:lstStyle/>
-          <a:p>
-            <a:pPr marL="0" indent="0">
-              <a:buNone/>
-            </a:pPr>
-            <a:endParaRPr lang="en-US" dirty="0" smtClean="0"/>
-          </a:p>
-          <a:p>
-            <a:pPr marL="0" indent="0">
-              <a:buNone/>
-            </a:pPr>
-            <a:r>
-              <a:rPr lang="ru-RU" i="1" dirty="0" smtClean="0"/>
-              <a:t>Как экономисты получили результаты, оправдывающие политику жесткой экономии, по ним были приняты большие политические решения, а потом в исследовании нашли ошибки, связанные с обработкой данных в </a:t>
-            </a:r>
-            <a:r>
-              <a:rPr lang="en-US" i="1" dirty="0" smtClean="0"/>
-              <a:t>Excel:</a:t>
-            </a:r>
-            <a:endParaRPr lang="en-US" i="1" dirty="0"/>
-          </a:p>
-          <a:p>
-            <a:pPr marL="0" indent="0">
-              <a:buNone/>
-            </a:pPr>
-            <a:r>
-              <a:rPr lang="ru-RU" dirty="0" smtClean="0">
-                <a:solidFill>
-                  <a:srgbClr val="FF0000"/>
-                </a:solidFill>
-              </a:rPr>
-              <a:t>Случай </a:t>
-            </a:r>
-            <a:r>
-              <a:rPr lang="en-US" dirty="0" smtClean="0">
-                <a:solidFill>
-                  <a:srgbClr val="FF0000"/>
-                </a:solidFill>
-              </a:rPr>
-              <a:t>Reinhart and Rogoff (2011) </a:t>
-            </a:r>
-          </a:p>
-          <a:p>
-            <a:pPr marL="0" indent="0">
-              <a:buNone/>
-            </a:pPr>
-            <a:r>
-              <a:rPr lang="en-US" dirty="0" smtClean="0"/>
-              <a:t>URL: https</a:t>
-            </a:r>
-            <a:r>
-              <a:rPr lang="en-US" dirty="0"/>
-              <a:t>://en.wikipedia.org/wiki/Growth_in_a_Time_of_Debt</a:t>
-            </a:r>
-            <a:endParaRPr lang="ru-RU" dirty="0"/>
-          </a:p>
-        </p:txBody>
-      </p:sp>
-      <p:sp>
-        <p:nvSpPr>
-          <p:cNvPr id="5" name="Номер слайда 4"/>
-          <p:cNvSpPr>
-            <a:spLocks noGrp="1"/>
-          </p:cNvSpPr>
-          <p:nvPr>
-            <p:ph type="sldNum" sz="quarter" idx="12"/>
-          </p:nvPr>
-        </p:nvSpPr>
-        <p:spPr/>
-        <p:txBody>
-          <a:bodyPr/>
-          <a:lstStyle/>
-          <a:p>
-            <a:fld id="{F327B68B-DC36-431D-946B-51DF0CBFA2CD}" type="slidenum">
-              <a:rPr lang="ru-RU" smtClean="0"/>
-              <a:t>3</a:t>
-            </a:fld>
-            <a:endParaRPr lang="ru-RU"/>
-          </a:p>
-        </p:txBody>
-      </p:sp>
-    </p:spTree>
-    <p:extLst>
-      <p:ext uri="{BB962C8B-B14F-4D97-AF65-F5344CB8AC3E}">
-        <p14:creationId xmlns:p14="http://schemas.microsoft.com/office/powerpoint/2010/main" val="668590361"/>
       </p:ext>
     </p:extLst>
   </p:cSld>
